--- a/fig/fig2.pptx
+++ b/fig/fig2.pptx
@@ -142,7 +142,7 @@
             <a:srgbClr val="A4A3A4"/>
           </p15:clr>
         </p15:guide>
-        <p15:guide id="2" pos="5080" userDrawn="1">
+        <p15:guide id="2" pos="4989" userDrawn="1">
           <p15:clr>
             <a:srgbClr val="A4A3A4"/>
           </p15:clr>
@@ -300,7 +300,7 @@
               <a:pPr>
                 <a:defRPr/>
               </a:pPr>
-              <a:t>03.03.22</a:t>
+              <a:t>28.04.22</a:t>
             </a:fld>
             <a:endParaRPr lang="en-DE"/>
           </a:p>
@@ -515,7 +515,7 @@
               <a:pPr>
                 <a:defRPr/>
               </a:pPr>
-              <a:t>03.03.22</a:t>
+              <a:t>28.04.22</a:t>
             </a:fld>
             <a:endParaRPr lang="en-DE"/>
           </a:p>
@@ -740,7 +740,7 @@
               <a:pPr>
                 <a:defRPr/>
               </a:pPr>
-              <a:t>03.03.22</a:t>
+              <a:t>28.04.22</a:t>
             </a:fld>
             <a:endParaRPr lang="en-DE"/>
           </a:p>
@@ -955,7 +955,7 @@
               <a:pPr>
                 <a:defRPr/>
               </a:pPr>
-              <a:t>03.03.22</a:t>
+              <a:t>28.04.22</a:t>
             </a:fld>
             <a:endParaRPr lang="en-DE"/>
           </a:p>
@@ -1244,7 +1244,7 @@
               <a:pPr>
                 <a:defRPr/>
               </a:pPr>
-              <a:t>03.03.22</a:t>
+              <a:t>28.04.22</a:t>
             </a:fld>
             <a:endParaRPr lang="en-DE"/>
           </a:p>
@@ -1521,7 +1521,7 @@
               <a:pPr>
                 <a:defRPr/>
               </a:pPr>
-              <a:t>03.03.22</a:t>
+              <a:t>28.04.22</a:t>
             </a:fld>
             <a:endParaRPr lang="en-DE"/>
           </a:p>
@@ -1933,7 +1933,7 @@
               <a:pPr>
                 <a:defRPr/>
               </a:pPr>
-              <a:t>03.03.22</a:t>
+              <a:t>28.04.22</a:t>
             </a:fld>
             <a:endParaRPr lang="en-DE"/>
           </a:p>
@@ -2096,7 +2096,7 @@
               <a:pPr>
                 <a:defRPr/>
               </a:pPr>
-              <a:t>03.03.22</a:t>
+              <a:t>28.04.22</a:t>
             </a:fld>
             <a:endParaRPr lang="en-DE"/>
           </a:p>
@@ -2236,7 +2236,7 @@
               <a:pPr>
                 <a:defRPr/>
               </a:pPr>
-              <a:t>03.03.22</a:t>
+              <a:t>28.04.22</a:t>
             </a:fld>
             <a:endParaRPr lang="en-DE"/>
           </a:p>
@@ -2558,7 +2558,7 @@
               <a:pPr>
                 <a:defRPr/>
               </a:pPr>
-              <a:t>03.03.22</a:t>
+              <a:t>28.04.22</a:t>
             </a:fld>
             <a:endParaRPr lang="en-DE"/>
           </a:p>
@@ -2863,7 +2863,7 @@
               <a:pPr>
                 <a:defRPr/>
               </a:pPr>
-              <a:t>03.03.22</a:t>
+              <a:t>28.04.22</a:t>
             </a:fld>
             <a:endParaRPr lang="en-DE"/>
           </a:p>
@@ -3190,7 +3190,7 @@
               <a:pPr>
                 <a:defRPr/>
               </a:pPr>
-              <a:t>03.03.22</a:t>
+              <a:t>28.04.22</a:t>
             </a:fld>
             <a:endParaRPr lang="en-DE"/>
           </a:p>
@@ -3799,8 +3799,8 @@
         </p:blipFill>
         <p:spPr bwMode="auto">
           <a:xfrm>
-            <a:off x="8466384" y="-21728"/>
-            <a:ext cx="7367023" cy="2334454"/>
+            <a:off x="8526647" y="294989"/>
+            <a:ext cx="7688774" cy="2203788"/>
           </a:xfrm>
           <a:prstGeom prst="rect">
             <a:avLst/>
@@ -4332,7 +4332,7 @@
         <p:spPr bwMode="auto">
           <a:xfrm>
             <a:off x="475807" y="281652"/>
-            <a:ext cx="7367021" cy="8141263"/>
+            <a:ext cx="7367021" cy="8141262"/>
           </a:xfrm>
           <a:prstGeom prst="rect">
             <a:avLst/>
@@ -4378,7 +4378,7 @@
         </p:nvSpPr>
         <p:spPr bwMode="auto">
           <a:xfrm>
-            <a:off x="8183887" y="164411"/>
+            <a:off x="8069587" y="164411"/>
             <a:ext cx="446087" cy="584200"/>
           </a:xfrm>
           <a:prstGeom prst="rect">
@@ -4538,7 +4538,7 @@
         </p:nvSpPr>
         <p:spPr bwMode="auto">
           <a:xfrm>
-            <a:off x="8183887" y="4364467"/>
+            <a:off x="8069586" y="7549485"/>
             <a:ext cx="446087" cy="585787"/>
           </a:xfrm>
           <a:prstGeom prst="rect">
@@ -4677,7 +4677,7 @@
                 <a:latin typeface="Arial" panose="020B0604020202020204" pitchFamily="34" charset="0"/>
                 <a:cs typeface="Arial" panose="020B0604020202020204" pitchFamily="34" charset="0"/>
               </a:rPr>
-              <a:t>E</a:t>
+              <a:t>F</a:t>
             </a:r>
           </a:p>
         </p:txBody>
@@ -4703,8 +4703,8 @@
         </p:blipFill>
         <p:spPr>
           <a:xfrm>
-            <a:off x="8267827" y="9123741"/>
-            <a:ext cx="7456807" cy="2796303"/>
+            <a:off x="8285485" y="4641737"/>
+            <a:ext cx="7820149" cy="2932556"/>
           </a:xfrm>
           <a:prstGeom prst="rect">
             <a:avLst/>
@@ -4727,7 +4727,7 @@
         </p:nvSpPr>
         <p:spPr bwMode="auto">
           <a:xfrm>
-            <a:off x="8328986" y="8844261"/>
+            <a:off x="8069586" y="4463553"/>
             <a:ext cx="446087" cy="585787"/>
           </a:xfrm>
           <a:prstGeom prst="rect">
@@ -4866,7 +4866,7 @@
                 <a:latin typeface="Arial" panose="020B0604020202020204" pitchFamily="34" charset="0"/>
                 <a:cs typeface="Arial" panose="020B0604020202020204" pitchFamily="34" charset="0"/>
               </a:rPr>
-              <a:t>F</a:t>
+              <a:t>E</a:t>
             </a:r>
           </a:p>
         </p:txBody>
@@ -4951,8 +4951,37 @@
         </p:blipFill>
         <p:spPr>
           <a:xfrm>
-            <a:off x="8406930" y="4589577"/>
+            <a:off x="8406930" y="7845494"/>
             <a:ext cx="7692810" cy="4254682"/>
+          </a:xfrm>
+          <a:prstGeom prst="rect">
+            <a:avLst/>
+          </a:prstGeom>
+        </p:spPr>
+      </p:pic>
+      <p:pic>
+        <p:nvPicPr>
+          <p:cNvPr id="3" name="Picture 2">
+            <a:extLst>
+              <a:ext uri="{FF2B5EF4-FFF2-40B4-BE49-F238E27FC236}">
+                <a16:creationId xmlns:a16="http://schemas.microsoft.com/office/drawing/2014/main" id="{F258C4CC-213A-AF95-6C13-8E1D5E90BE19}"/>
+              </a:ext>
+            </a:extLst>
+          </p:cNvPr>
+          <p:cNvPicPr>
+            <a:picLocks noChangeAspect="1"/>
+          </p:cNvPicPr>
+          <p:nvPr/>
+        </p:nvPicPr>
+        <p:blipFill>
+          <a:blip r:embed="rId8"/>
+          <a:srcRect/>
+          <a:stretch/>
+        </p:blipFill>
+        <p:spPr>
+          <a:xfrm>
+            <a:off x="8443084" y="2455591"/>
+            <a:ext cx="7535999" cy="2123999"/>
           </a:xfrm>
           <a:prstGeom prst="rect">
             <a:avLst/>

--- a/fig/fig2.pptx
+++ b/fig/fig2.pptx
@@ -300,7 +300,7 @@
               <a:pPr>
                 <a:defRPr/>
               </a:pPr>
-              <a:t>28.04.22</a:t>
+              <a:t>27.06.22</a:t>
             </a:fld>
             <a:endParaRPr lang="en-DE"/>
           </a:p>
@@ -515,7 +515,7 @@
               <a:pPr>
                 <a:defRPr/>
               </a:pPr>
-              <a:t>28.04.22</a:t>
+              <a:t>27.06.22</a:t>
             </a:fld>
             <a:endParaRPr lang="en-DE"/>
           </a:p>
@@ -740,7 +740,7 @@
               <a:pPr>
                 <a:defRPr/>
               </a:pPr>
-              <a:t>28.04.22</a:t>
+              <a:t>27.06.22</a:t>
             </a:fld>
             <a:endParaRPr lang="en-DE"/>
           </a:p>
@@ -955,7 +955,7 @@
               <a:pPr>
                 <a:defRPr/>
               </a:pPr>
-              <a:t>28.04.22</a:t>
+              <a:t>27.06.22</a:t>
             </a:fld>
             <a:endParaRPr lang="en-DE"/>
           </a:p>
@@ -1244,7 +1244,7 @@
               <a:pPr>
                 <a:defRPr/>
               </a:pPr>
-              <a:t>28.04.22</a:t>
+              <a:t>27.06.22</a:t>
             </a:fld>
             <a:endParaRPr lang="en-DE"/>
           </a:p>
@@ -1521,7 +1521,7 @@
               <a:pPr>
                 <a:defRPr/>
               </a:pPr>
-              <a:t>28.04.22</a:t>
+              <a:t>27.06.22</a:t>
             </a:fld>
             <a:endParaRPr lang="en-DE"/>
           </a:p>
@@ -1933,7 +1933,7 @@
               <a:pPr>
                 <a:defRPr/>
               </a:pPr>
-              <a:t>28.04.22</a:t>
+              <a:t>27.06.22</a:t>
             </a:fld>
             <a:endParaRPr lang="en-DE"/>
           </a:p>
@@ -2096,7 +2096,7 @@
               <a:pPr>
                 <a:defRPr/>
               </a:pPr>
-              <a:t>28.04.22</a:t>
+              <a:t>27.06.22</a:t>
             </a:fld>
             <a:endParaRPr lang="en-DE"/>
           </a:p>
@@ -2236,7 +2236,7 @@
               <a:pPr>
                 <a:defRPr/>
               </a:pPr>
-              <a:t>28.04.22</a:t>
+              <a:t>27.06.22</a:t>
             </a:fld>
             <a:endParaRPr lang="en-DE"/>
           </a:p>
@@ -2558,7 +2558,7 @@
               <a:pPr>
                 <a:defRPr/>
               </a:pPr>
-              <a:t>28.04.22</a:t>
+              <a:t>27.06.22</a:t>
             </a:fld>
             <a:endParaRPr lang="en-DE"/>
           </a:p>
@@ -2863,7 +2863,7 @@
               <a:pPr>
                 <a:defRPr/>
               </a:pPr>
-              <a:t>28.04.22</a:t>
+              <a:t>27.06.22</a:t>
             </a:fld>
             <a:endParaRPr lang="en-DE"/>
           </a:p>
@@ -3190,7 +3190,7 @@
               <a:pPr>
                 <a:defRPr/>
               </a:pPr>
-              <a:t>28.04.22</a:t>
+              <a:t>27.06.22</a:t>
             </a:fld>
             <a:endParaRPr lang="en-DE"/>
           </a:p>
@@ -3799,8 +3799,8 @@
         </p:blipFill>
         <p:spPr bwMode="auto">
           <a:xfrm>
-            <a:off x="8526647" y="294989"/>
-            <a:ext cx="7688774" cy="2203788"/>
+            <a:off x="8526648" y="294989"/>
+            <a:ext cx="7688771" cy="2203788"/>
           </a:xfrm>
           <a:prstGeom prst="rect">
             <a:avLst/>
@@ -4980,8 +4980,8 @@
         </p:blipFill>
         <p:spPr>
           <a:xfrm>
-            <a:off x="8443084" y="2455591"/>
-            <a:ext cx="7535999" cy="2123999"/>
+            <a:off x="8443085" y="2455591"/>
+            <a:ext cx="7535996" cy="2123999"/>
           </a:xfrm>
           <a:prstGeom prst="rect">
             <a:avLst/>

--- a/fig/fig2.pptx
+++ b/fig/fig2.pptx
@@ -300,7 +300,7 @@
               <a:pPr>
                 <a:defRPr/>
               </a:pPr>
-              <a:t>27.06.22</a:t>
+              <a:t>12.07.22</a:t>
             </a:fld>
             <a:endParaRPr lang="en-DE"/>
           </a:p>
@@ -515,7 +515,7 @@
               <a:pPr>
                 <a:defRPr/>
               </a:pPr>
-              <a:t>27.06.22</a:t>
+              <a:t>12.07.22</a:t>
             </a:fld>
             <a:endParaRPr lang="en-DE"/>
           </a:p>
@@ -740,7 +740,7 @@
               <a:pPr>
                 <a:defRPr/>
               </a:pPr>
-              <a:t>27.06.22</a:t>
+              <a:t>12.07.22</a:t>
             </a:fld>
             <a:endParaRPr lang="en-DE"/>
           </a:p>
@@ -955,7 +955,7 @@
               <a:pPr>
                 <a:defRPr/>
               </a:pPr>
-              <a:t>27.06.22</a:t>
+              <a:t>12.07.22</a:t>
             </a:fld>
             <a:endParaRPr lang="en-DE"/>
           </a:p>
@@ -1244,7 +1244,7 @@
               <a:pPr>
                 <a:defRPr/>
               </a:pPr>
-              <a:t>27.06.22</a:t>
+              <a:t>12.07.22</a:t>
             </a:fld>
             <a:endParaRPr lang="en-DE"/>
           </a:p>
@@ -1521,7 +1521,7 @@
               <a:pPr>
                 <a:defRPr/>
               </a:pPr>
-              <a:t>27.06.22</a:t>
+              <a:t>12.07.22</a:t>
             </a:fld>
             <a:endParaRPr lang="en-DE"/>
           </a:p>
@@ -1933,7 +1933,7 @@
               <a:pPr>
                 <a:defRPr/>
               </a:pPr>
-              <a:t>27.06.22</a:t>
+              <a:t>12.07.22</a:t>
             </a:fld>
             <a:endParaRPr lang="en-DE"/>
           </a:p>
@@ -2096,7 +2096,7 @@
               <a:pPr>
                 <a:defRPr/>
               </a:pPr>
-              <a:t>27.06.22</a:t>
+              <a:t>12.07.22</a:t>
             </a:fld>
             <a:endParaRPr lang="en-DE"/>
           </a:p>
@@ -2236,7 +2236,7 @@
               <a:pPr>
                 <a:defRPr/>
               </a:pPr>
-              <a:t>27.06.22</a:t>
+              <a:t>12.07.22</a:t>
             </a:fld>
             <a:endParaRPr lang="en-DE"/>
           </a:p>
@@ -2558,7 +2558,7 @@
               <a:pPr>
                 <a:defRPr/>
               </a:pPr>
-              <a:t>27.06.22</a:t>
+              <a:t>12.07.22</a:t>
             </a:fld>
             <a:endParaRPr lang="en-DE"/>
           </a:p>
@@ -2863,7 +2863,7 @@
               <a:pPr>
                 <a:defRPr/>
               </a:pPr>
-              <a:t>27.06.22</a:t>
+              <a:t>12.07.22</a:t>
             </a:fld>
             <a:endParaRPr lang="en-DE"/>
           </a:p>
@@ -3190,7 +3190,7 @@
               <a:pPr>
                 <a:defRPr/>
               </a:pPr>
-              <a:t>27.06.22</a:t>
+              <a:t>12.07.22</a:t>
             </a:fld>
             <a:endParaRPr lang="en-DE"/>
           </a:p>
@@ -4703,8 +4703,8 @@
         </p:blipFill>
         <p:spPr>
           <a:xfrm>
-            <a:off x="8285485" y="4641737"/>
-            <a:ext cx="7820149" cy="2932556"/>
+            <a:off x="8308345" y="4630389"/>
+            <a:ext cx="7892993" cy="3011126"/>
           </a:xfrm>
           <a:prstGeom prst="rect">
             <a:avLst/>

--- a/fig/fig2.pptx
+++ b/fig/fig2.pptx
@@ -300,7 +300,7 @@
               <a:pPr>
                 <a:defRPr/>
               </a:pPr>
-              <a:t>12.07.22</a:t>
+              <a:t>13.07.22</a:t>
             </a:fld>
             <a:endParaRPr lang="en-DE"/>
           </a:p>
@@ -515,7 +515,7 @@
               <a:pPr>
                 <a:defRPr/>
               </a:pPr>
-              <a:t>12.07.22</a:t>
+              <a:t>13.07.22</a:t>
             </a:fld>
             <a:endParaRPr lang="en-DE"/>
           </a:p>
@@ -740,7 +740,7 @@
               <a:pPr>
                 <a:defRPr/>
               </a:pPr>
-              <a:t>12.07.22</a:t>
+              <a:t>13.07.22</a:t>
             </a:fld>
             <a:endParaRPr lang="en-DE"/>
           </a:p>
@@ -955,7 +955,7 @@
               <a:pPr>
                 <a:defRPr/>
               </a:pPr>
-              <a:t>12.07.22</a:t>
+              <a:t>13.07.22</a:t>
             </a:fld>
             <a:endParaRPr lang="en-DE"/>
           </a:p>
@@ -1244,7 +1244,7 @@
               <a:pPr>
                 <a:defRPr/>
               </a:pPr>
-              <a:t>12.07.22</a:t>
+              <a:t>13.07.22</a:t>
             </a:fld>
             <a:endParaRPr lang="en-DE"/>
           </a:p>
@@ -1521,7 +1521,7 @@
               <a:pPr>
                 <a:defRPr/>
               </a:pPr>
-              <a:t>12.07.22</a:t>
+              <a:t>13.07.22</a:t>
             </a:fld>
             <a:endParaRPr lang="en-DE"/>
           </a:p>
@@ -1933,7 +1933,7 @@
               <a:pPr>
                 <a:defRPr/>
               </a:pPr>
-              <a:t>12.07.22</a:t>
+              <a:t>13.07.22</a:t>
             </a:fld>
             <a:endParaRPr lang="en-DE"/>
           </a:p>
@@ -2096,7 +2096,7 @@
               <a:pPr>
                 <a:defRPr/>
               </a:pPr>
-              <a:t>12.07.22</a:t>
+              <a:t>13.07.22</a:t>
             </a:fld>
             <a:endParaRPr lang="en-DE"/>
           </a:p>
@@ -2236,7 +2236,7 @@
               <a:pPr>
                 <a:defRPr/>
               </a:pPr>
-              <a:t>12.07.22</a:t>
+              <a:t>13.07.22</a:t>
             </a:fld>
             <a:endParaRPr lang="en-DE"/>
           </a:p>
@@ -2558,7 +2558,7 @@
               <a:pPr>
                 <a:defRPr/>
               </a:pPr>
-              <a:t>12.07.22</a:t>
+              <a:t>13.07.22</a:t>
             </a:fld>
             <a:endParaRPr lang="en-DE"/>
           </a:p>
@@ -2863,7 +2863,7 @@
               <a:pPr>
                 <a:defRPr/>
               </a:pPr>
-              <a:t>12.07.22</a:t>
+              <a:t>13.07.22</a:t>
             </a:fld>
             <a:endParaRPr lang="en-DE"/>
           </a:p>
@@ -3190,7 +3190,7 @@
               <a:pPr>
                 <a:defRPr/>
               </a:pPr>
-              <a:t>12.07.22</a:t>
+              <a:t>13.07.22</a:t>
             </a:fld>
             <a:endParaRPr lang="en-DE"/>
           </a:p>
@@ -4951,8 +4951,8 @@
         </p:blipFill>
         <p:spPr>
           <a:xfrm>
-            <a:off x="8406930" y="7845494"/>
-            <a:ext cx="7692810" cy="4254682"/>
+            <a:off x="8406931" y="7845494"/>
+            <a:ext cx="7692808" cy="4254682"/>
           </a:xfrm>
           <a:prstGeom prst="rect">
             <a:avLst/>
